--- a/Images/Figures_PPT/ComponentsAllPieChart.pptx
+++ b/Images/Figures_PPT/ComponentsAllPieChart.pptx
@@ -2493,7 +2493,7 @@
               </a:pathLst>
             </a:custGeom>
             <a:solidFill>
-              <a:srgbClr val="C77CFF">
+              <a:srgbClr val="CE8964">
                 <a:alpha val="100000"/>
               </a:srgbClr>
             </a:solidFill>
@@ -3055,7 +3055,7 @@
               </a:pathLst>
             </a:custGeom>
             <a:solidFill>
-              <a:srgbClr val="00BFC4">
+              <a:srgbClr val="9CC5A1">
                 <a:alpha val="100000"/>
               </a:srgbClr>
             </a:solidFill>
@@ -3377,7 +3377,7 @@
               </a:pathLst>
             </a:custGeom>
             <a:solidFill>
-              <a:srgbClr val="7CAE00">
+              <a:srgbClr val="DACC3E">
                 <a:alpha val="100000"/>
               </a:srgbClr>
             </a:solidFill>
@@ -3678,7 +3678,7 @@
               </a:pathLst>
             </a:custGeom>
             <a:solidFill>
-              <a:srgbClr val="F8766D">
+              <a:srgbClr val="819595">
                 <a:alpha val="100000"/>
               </a:srgbClr>
             </a:solidFill>

--- a/Images/Figures_PPT/ComponentsAllPieChart.pptx
+++ b/Images/Figures_PPT/ComponentsAllPieChart.pptx
@@ -2299,107 +2299,104 @@
           <p:spPr>
             <a:xfrm>
               <a:off x="5486400" y="1749568"/>
-              <a:ext cx="268763" cy="2473613"/>
+              <a:ext cx="241204" cy="2473613"/>
             </a:xfrm>
             <a:custGeom>
               <a:avLst/>
               <a:pathLst>
-                <a:path w="268763" h="2473613">
+                <a:path w="241204" h="2473613">
                   <a:moveTo>
                     <a:pt x="0" y="2473613"/>
                   </a:moveTo>
                   <a:lnTo>
-                    <a:pt x="9267" y="2388821"/>
-                  </a:lnTo>
-                  <a:lnTo>
-                    <a:pt x="18535" y="2304029"/>
-                  </a:lnTo>
-                  <a:lnTo>
-                    <a:pt x="27803" y="2219237"/>
-                  </a:lnTo>
-                  <a:lnTo>
-                    <a:pt x="37070" y="2134445"/>
-                  </a:lnTo>
-                  <a:lnTo>
-                    <a:pt x="46338" y="2049653"/>
-                  </a:lnTo>
-                  <a:lnTo>
-                    <a:pt x="55606" y="1964861"/>
-                  </a:lnTo>
-                  <a:lnTo>
-                    <a:pt x="64873" y="1880069"/>
-                  </a:lnTo>
-                  <a:lnTo>
-                    <a:pt x="74141" y="1795277"/>
-                  </a:lnTo>
-                  <a:lnTo>
-                    <a:pt x="83409" y="1710485"/>
-                  </a:lnTo>
-                  <a:lnTo>
-                    <a:pt x="92677" y="1625693"/>
-                  </a:lnTo>
-                  <a:lnTo>
-                    <a:pt x="101944" y="1540901"/>
-                  </a:lnTo>
-                  <a:lnTo>
-                    <a:pt x="111212" y="1456109"/>
-                  </a:lnTo>
-                  <a:lnTo>
-                    <a:pt x="120480" y="1371317"/>
-                  </a:lnTo>
-                  <a:lnTo>
-                    <a:pt x="129747" y="1286525"/>
-                  </a:lnTo>
-                  <a:lnTo>
-                    <a:pt x="139015" y="1201733"/>
-                  </a:lnTo>
-                  <a:lnTo>
-                    <a:pt x="148283" y="1116940"/>
-                  </a:lnTo>
-                  <a:lnTo>
-                    <a:pt x="157551" y="1032148"/>
-                  </a:lnTo>
-                  <a:lnTo>
-                    <a:pt x="166818" y="947356"/>
-                  </a:lnTo>
-                  <a:lnTo>
-                    <a:pt x="176086" y="862564"/>
-                  </a:lnTo>
-                  <a:lnTo>
-                    <a:pt x="185354" y="777772"/>
-                  </a:lnTo>
-                  <a:lnTo>
-                    <a:pt x="194621" y="692980"/>
-                  </a:lnTo>
-                  <a:lnTo>
-                    <a:pt x="203889" y="608188"/>
-                  </a:lnTo>
-                  <a:lnTo>
-                    <a:pt x="213157" y="523396"/>
-                  </a:lnTo>
-                  <a:lnTo>
-                    <a:pt x="222424" y="438604"/>
-                  </a:lnTo>
-                  <a:lnTo>
-                    <a:pt x="231692" y="353812"/>
-                  </a:lnTo>
-                  <a:lnTo>
-                    <a:pt x="240960" y="269020"/>
-                  </a:lnTo>
-                  <a:lnTo>
-                    <a:pt x="250228" y="184228"/>
-                  </a:lnTo>
-                  <a:lnTo>
-                    <a:pt x="259495" y="99436"/>
-                  </a:lnTo>
-                  <a:lnTo>
-                    <a:pt x="268763" y="14644"/>
-                  </a:lnTo>
-                  <a:lnTo>
-                    <a:pt x="179372" y="6512"/>
-                  </a:lnTo>
-                  <a:lnTo>
-                    <a:pt x="89745" y="1628"/>
+                    <a:pt x="8317" y="2388723"/>
+                  </a:lnTo>
+                  <a:lnTo>
+                    <a:pt x="16634" y="2303832"/>
+                  </a:lnTo>
+                  <a:lnTo>
+                    <a:pt x="24952" y="2218942"/>
+                  </a:lnTo>
+                  <a:lnTo>
+                    <a:pt x="33269" y="2134051"/>
+                  </a:lnTo>
+                  <a:lnTo>
+                    <a:pt x="41586" y="2049161"/>
+                  </a:lnTo>
+                  <a:lnTo>
+                    <a:pt x="49904" y="1964270"/>
+                  </a:lnTo>
+                  <a:lnTo>
+                    <a:pt x="58221" y="1879380"/>
+                  </a:lnTo>
+                  <a:lnTo>
+                    <a:pt x="66539" y="1794489"/>
+                  </a:lnTo>
+                  <a:lnTo>
+                    <a:pt x="74856" y="1709599"/>
+                  </a:lnTo>
+                  <a:lnTo>
+                    <a:pt x="83173" y="1624708"/>
+                  </a:lnTo>
+                  <a:lnTo>
+                    <a:pt x="91491" y="1539817"/>
+                  </a:lnTo>
+                  <a:lnTo>
+                    <a:pt x="99808" y="1454927"/>
+                  </a:lnTo>
+                  <a:lnTo>
+                    <a:pt x="108126" y="1370036"/>
+                  </a:lnTo>
+                  <a:lnTo>
+                    <a:pt x="116443" y="1285146"/>
+                  </a:lnTo>
+                  <a:lnTo>
+                    <a:pt x="124760" y="1200255"/>
+                  </a:lnTo>
+                  <a:lnTo>
+                    <a:pt x="133078" y="1115365"/>
+                  </a:lnTo>
+                  <a:lnTo>
+                    <a:pt x="141395" y="1030474"/>
+                  </a:lnTo>
+                  <a:lnTo>
+                    <a:pt x="149713" y="945584"/>
+                  </a:lnTo>
+                  <a:lnTo>
+                    <a:pt x="158030" y="860693"/>
+                  </a:lnTo>
+                  <a:lnTo>
+                    <a:pt x="166347" y="775803"/>
+                  </a:lnTo>
+                  <a:lnTo>
+                    <a:pt x="174665" y="690912"/>
+                  </a:lnTo>
+                  <a:lnTo>
+                    <a:pt x="182982" y="606021"/>
+                  </a:lnTo>
+                  <a:lnTo>
+                    <a:pt x="191299" y="521131"/>
+                  </a:lnTo>
+                  <a:lnTo>
+                    <a:pt x="199617" y="436240"/>
+                  </a:lnTo>
+                  <a:lnTo>
+                    <a:pt x="207934" y="351350"/>
+                  </a:lnTo>
+                  <a:lnTo>
+                    <a:pt x="216252" y="266459"/>
+                  </a:lnTo>
+                  <a:lnTo>
+                    <a:pt x="224569" y="181569"/>
+                  </a:lnTo>
+                  <a:lnTo>
+                    <a:pt x="232886" y="96678"/>
+                  </a:lnTo>
+                  <a:lnTo>
+                    <a:pt x="241204" y="11788"/>
+                  </a:lnTo>
+                  <a:lnTo>
+                    <a:pt x="120746" y="2948"/>
                   </a:lnTo>
                   <a:lnTo>
                     <a:pt x="0" y="0"/>
@@ -2521,534 +2518,537 @@
           </p:nvSpPr>
           <p:spPr>
             <a:xfrm>
-              <a:off x="3557601" y="1764212"/>
-              <a:ext cx="4402364" cy="4932338"/>
+              <a:off x="3482840" y="1761356"/>
+              <a:ext cx="4477105" cy="4935308"/>
             </a:xfrm>
             <a:custGeom>
               <a:avLst/>
               <a:pathLst>
-                <a:path w="4402364" h="4932338">
+                <a:path w="4477105" h="4935308">
                   <a:moveTo>
-                    <a:pt x="1928798" y="2458969"/>
+                    <a:pt x="2003559" y="2461825"/>
                   </a:moveTo>
                   <a:lnTo>
-                    <a:pt x="1862288" y="2512373"/>
-                  </a:lnTo>
-                  <a:lnTo>
-                    <a:pt x="1795778" y="2565777"/>
-                  </a:lnTo>
-                  <a:lnTo>
-                    <a:pt x="1729267" y="2619181"/>
-                  </a:lnTo>
-                  <a:lnTo>
-                    <a:pt x="1662757" y="2672584"/>
-                  </a:lnTo>
-                  <a:lnTo>
-                    <a:pt x="1596247" y="2725988"/>
-                  </a:lnTo>
-                  <a:lnTo>
-                    <a:pt x="1529736" y="2779392"/>
-                  </a:lnTo>
-                  <a:lnTo>
-                    <a:pt x="1463226" y="2832796"/>
-                  </a:lnTo>
-                  <a:lnTo>
-                    <a:pt x="1396716" y="2886199"/>
-                  </a:lnTo>
-                  <a:lnTo>
-                    <a:pt x="1330205" y="2939603"/>
-                  </a:lnTo>
-                  <a:lnTo>
-                    <a:pt x="1263695" y="2993007"/>
-                  </a:lnTo>
-                  <a:lnTo>
-                    <a:pt x="1197185" y="3046411"/>
-                  </a:lnTo>
-                  <a:lnTo>
-                    <a:pt x="1130675" y="3099815"/>
-                  </a:lnTo>
-                  <a:lnTo>
-                    <a:pt x="1064164" y="3153218"/>
-                  </a:lnTo>
-                  <a:lnTo>
-                    <a:pt x="997654" y="3206622"/>
-                  </a:lnTo>
-                  <a:lnTo>
-                    <a:pt x="931144" y="3260026"/>
-                  </a:lnTo>
-                  <a:lnTo>
-                    <a:pt x="864633" y="3313430"/>
-                  </a:lnTo>
-                  <a:lnTo>
-                    <a:pt x="798123" y="3366834"/>
-                  </a:lnTo>
-                  <a:lnTo>
-                    <a:pt x="731613" y="3420237"/>
-                  </a:lnTo>
-                  <a:lnTo>
-                    <a:pt x="665102" y="3473641"/>
-                  </a:lnTo>
-                  <a:lnTo>
-                    <a:pt x="598592" y="3527045"/>
-                  </a:lnTo>
-                  <a:lnTo>
-                    <a:pt x="532082" y="3580449"/>
-                  </a:lnTo>
-                  <a:lnTo>
-                    <a:pt x="465572" y="3633852"/>
-                  </a:lnTo>
-                  <a:lnTo>
-                    <a:pt x="399061" y="3687256"/>
-                  </a:lnTo>
-                  <a:lnTo>
-                    <a:pt x="332551" y="3740660"/>
-                  </a:lnTo>
-                  <a:lnTo>
-                    <a:pt x="266041" y="3794064"/>
-                  </a:lnTo>
-                  <a:lnTo>
-                    <a:pt x="199530" y="3847468"/>
-                  </a:lnTo>
-                  <a:lnTo>
-                    <a:pt x="133020" y="3900871"/>
-                  </a:lnTo>
-                  <a:lnTo>
-                    <a:pt x="66510" y="3954275"/>
-                  </a:lnTo>
-                  <a:lnTo>
-                    <a:pt x="0" y="4007679"/>
-                  </a:lnTo>
-                  <a:lnTo>
-                    <a:pt x="53524" y="4072075"/>
-                  </a:lnTo>
-                  <a:lnTo>
-                    <a:pt x="109197" y="4134623"/>
-                  </a:lnTo>
-                  <a:lnTo>
-                    <a:pt x="166955" y="4195251"/>
-                  </a:lnTo>
-                  <a:lnTo>
-                    <a:pt x="226732" y="4253889"/>
-                  </a:lnTo>
-                  <a:lnTo>
-                    <a:pt x="288460" y="4310470"/>
-                  </a:lnTo>
-                  <a:lnTo>
-                    <a:pt x="352067" y="4364930"/>
-                  </a:lnTo>
-                  <a:lnTo>
-                    <a:pt x="417482" y="4417205"/>
-                  </a:lnTo>
-                  <a:lnTo>
-                    <a:pt x="484628" y="4467237"/>
-                  </a:lnTo>
-                  <a:lnTo>
-                    <a:pt x="553429" y="4514967"/>
-                  </a:lnTo>
-                  <a:lnTo>
-                    <a:pt x="623806" y="4560341"/>
-                  </a:lnTo>
-                  <a:lnTo>
-                    <a:pt x="695679" y="4603307"/>
-                  </a:lnTo>
-                  <a:lnTo>
-                    <a:pt x="768965" y="4643815"/>
-                  </a:lnTo>
-                  <a:lnTo>
-                    <a:pt x="843579" y="4681820"/>
-                  </a:lnTo>
-                  <a:lnTo>
-                    <a:pt x="919438" y="4717278"/>
-                  </a:lnTo>
-                  <a:lnTo>
-                    <a:pt x="996453" y="4750148"/>
-                  </a:lnTo>
-                  <a:lnTo>
-                    <a:pt x="1074536" y="4780392"/>
-                  </a:lnTo>
-                  <a:lnTo>
-                    <a:pt x="1153599" y="4807976"/>
-                  </a:lnTo>
-                  <a:lnTo>
-                    <a:pt x="1233550" y="4832868"/>
-                  </a:lnTo>
-                  <a:lnTo>
-                    <a:pt x="1314297" y="4855040"/>
-                  </a:lnTo>
-                  <a:lnTo>
-                    <a:pt x="1395749" y="4874466"/>
-                  </a:lnTo>
-                  <a:lnTo>
-                    <a:pt x="1477811" y="4891124"/>
-                  </a:lnTo>
-                  <a:lnTo>
-                    <a:pt x="1560391" y="4904995"/>
-                  </a:lnTo>
-                  <a:lnTo>
-                    <a:pt x="1643392" y="4916063"/>
-                  </a:lnTo>
-                  <a:lnTo>
-                    <a:pt x="1726721" y="4924315"/>
-                  </a:lnTo>
-                  <a:lnTo>
-                    <a:pt x="1810281" y="4929742"/>
-                  </a:lnTo>
-                  <a:lnTo>
-                    <a:pt x="1893977" y="4932338"/>
-                  </a:lnTo>
-                  <a:lnTo>
-                    <a:pt x="1977712" y="4932099"/>
-                  </a:lnTo>
-                  <a:lnTo>
-                    <a:pt x="2061392" y="4929027"/>
-                  </a:lnTo>
-                  <a:lnTo>
-                    <a:pt x="2144920" y="4923124"/>
-                  </a:lnTo>
-                  <a:lnTo>
-                    <a:pt x="2228200" y="4914397"/>
-                  </a:lnTo>
-                  <a:lnTo>
-                    <a:pt x="2311137" y="4902856"/>
-                  </a:lnTo>
-                  <a:lnTo>
-                    <a:pt x="2393636" y="4888515"/>
-                  </a:lnTo>
-                  <a:lnTo>
-                    <a:pt x="2475602" y="4871389"/>
-                  </a:lnTo>
-                  <a:lnTo>
-                    <a:pt x="2556942" y="4851499"/>
-                  </a:lnTo>
-                  <a:lnTo>
-                    <a:pt x="2637562" y="4828868"/>
-                  </a:lnTo>
-                  <a:lnTo>
-                    <a:pt x="2717370" y="4803521"/>
-                  </a:lnTo>
-                  <a:lnTo>
-                    <a:pt x="2796274" y="4775486"/>
-                  </a:lnTo>
-                  <a:lnTo>
-                    <a:pt x="2874183" y="4744798"/>
-                  </a:lnTo>
-                  <a:lnTo>
-                    <a:pt x="2951010" y="4711490"/>
-                  </a:lnTo>
-                  <a:lnTo>
-                    <a:pt x="3026665" y="4675600"/>
-                  </a:lnTo>
-                  <a:lnTo>
-                    <a:pt x="3101062" y="4637171"/>
-                  </a:lnTo>
-                  <a:lnTo>
-                    <a:pt x="3174116" y="4596245"/>
-                  </a:lnTo>
-                  <a:lnTo>
-                    <a:pt x="3245743" y="4552871"/>
-                  </a:lnTo>
-                  <a:lnTo>
-                    <a:pt x="3315860" y="4507096"/>
-                  </a:lnTo>
-                  <a:lnTo>
-                    <a:pt x="3384388" y="4458975"/>
-                  </a:lnTo>
-                  <a:lnTo>
-                    <a:pt x="3451248" y="4408562"/>
-                  </a:lnTo>
-                  <a:lnTo>
-                    <a:pt x="3516363" y="4355915"/>
-                  </a:lnTo>
-                  <a:lnTo>
-                    <a:pt x="3579660" y="4301094"/>
-                  </a:lnTo>
-                  <a:lnTo>
-                    <a:pt x="3641064" y="4244162"/>
-                  </a:lnTo>
-                  <a:lnTo>
-                    <a:pt x="3700506" y="4185184"/>
-                  </a:lnTo>
-                  <a:lnTo>
-                    <a:pt x="3757918" y="4124228"/>
-                  </a:lnTo>
-                  <a:lnTo>
-                    <a:pt x="3813234" y="4061364"/>
-                  </a:lnTo>
-                  <a:lnTo>
-                    <a:pt x="3866390" y="3996663"/>
-                  </a:lnTo>
-                  <a:lnTo>
-                    <a:pt x="3917326" y="3930201"/>
-                  </a:lnTo>
-                  <a:lnTo>
-                    <a:pt x="3965983" y="3862052"/>
-                  </a:lnTo>
-                  <a:lnTo>
-                    <a:pt x="4012306" y="3792296"/>
-                  </a:lnTo>
-                  <a:lnTo>
-                    <a:pt x="4056241" y="3721012"/>
-                  </a:lnTo>
-                  <a:lnTo>
-                    <a:pt x="4097739" y="3648281"/>
-                  </a:lnTo>
-                  <a:lnTo>
-                    <a:pt x="4136750" y="3574188"/>
-                  </a:lnTo>
-                  <a:lnTo>
-                    <a:pt x="4173232" y="3498817"/>
-                  </a:lnTo>
-                  <a:lnTo>
-                    <a:pt x="4207142" y="3422254"/>
-                  </a:lnTo>
-                  <a:lnTo>
-                    <a:pt x="4238440" y="3344587"/>
-                  </a:lnTo>
-                  <a:lnTo>
-                    <a:pt x="4267092" y="3265905"/>
-                  </a:lnTo>
-                  <a:lnTo>
-                    <a:pt x="4293065" y="3186299"/>
-                  </a:lnTo>
-                  <a:lnTo>
-                    <a:pt x="4316328" y="3105859"/>
-                  </a:lnTo>
-                  <a:lnTo>
-                    <a:pt x="4336855" y="3024678"/>
-                  </a:lnTo>
-                  <a:lnTo>
-                    <a:pt x="4354623" y="2942848"/>
-                  </a:lnTo>
-                  <a:lnTo>
-                    <a:pt x="4369611" y="2860464"/>
-                  </a:lnTo>
-                  <a:lnTo>
-                    <a:pt x="4381802" y="2777620"/>
-                  </a:lnTo>
-                  <a:lnTo>
-                    <a:pt x="4391182" y="2694411"/>
-                  </a:lnTo>
-                  <a:lnTo>
-                    <a:pt x="4397740" y="2610932"/>
-                  </a:lnTo>
-                  <a:lnTo>
-                    <a:pt x="4401469" y="2527279"/>
-                  </a:lnTo>
-                  <a:lnTo>
-                    <a:pt x="4402364" y="2443548"/>
-                  </a:lnTo>
-                  <a:lnTo>
-                    <a:pt x="4400425" y="2359834"/>
-                  </a:lnTo>
-                  <a:lnTo>
-                    <a:pt x="4395653" y="2276234"/>
-                  </a:lnTo>
-                  <a:lnTo>
-                    <a:pt x="4388055" y="2192843"/>
-                  </a:lnTo>
-                  <a:lnTo>
-                    <a:pt x="4377638" y="2109758"/>
-                  </a:lnTo>
-                  <a:lnTo>
-                    <a:pt x="4364415" y="2027072"/>
-                  </a:lnTo>
-                  <a:lnTo>
-                    <a:pt x="4348401" y="1944881"/>
-                  </a:lnTo>
-                  <a:lnTo>
-                    <a:pt x="4329615" y="1863280"/>
-                  </a:lnTo>
-                  <a:lnTo>
-                    <a:pt x="4308077" y="1782361"/>
-                  </a:lnTo>
-                  <a:lnTo>
-                    <a:pt x="4283813" y="1702217"/>
-                  </a:lnTo>
-                  <a:lnTo>
-                    <a:pt x="4256849" y="1622941"/>
-                  </a:lnTo>
-                  <a:lnTo>
-                    <a:pt x="4227219" y="1544623"/>
-                  </a:lnTo>
-                  <a:lnTo>
-                    <a:pt x="4194954" y="1467352"/>
-                  </a:lnTo>
-                  <a:lnTo>
-                    <a:pt x="4160092" y="1391218"/>
-                  </a:lnTo>
-                  <a:lnTo>
-                    <a:pt x="4122674" y="1316307"/>
-                  </a:lnTo>
-                  <a:lnTo>
-                    <a:pt x="4082741" y="1242706"/>
-                  </a:lnTo>
-                  <a:lnTo>
-                    <a:pt x="4040340" y="1170499"/>
-                  </a:lnTo>
-                  <a:lnTo>
-                    <a:pt x="3995520" y="1099768"/>
-                  </a:lnTo>
-                  <a:lnTo>
-                    <a:pt x="3948331" y="1030595"/>
-                  </a:lnTo>
-                  <a:lnTo>
-                    <a:pt x="3898828" y="963058"/>
-                  </a:lnTo>
-                  <a:lnTo>
-                    <a:pt x="3847067" y="897236"/>
-                  </a:lnTo>
-                  <a:lnTo>
-                    <a:pt x="3793108" y="833203"/>
-                  </a:lnTo>
-                  <a:lnTo>
-                    <a:pt x="3737013" y="771034"/>
-                  </a:lnTo>
-                  <a:lnTo>
-                    <a:pt x="3678845" y="710798"/>
-                  </a:lnTo>
-                  <a:lnTo>
-                    <a:pt x="3618672" y="652566"/>
-                  </a:lnTo>
-                  <a:lnTo>
-                    <a:pt x="3556563" y="596404"/>
-                  </a:lnTo>
-                  <a:lnTo>
-                    <a:pt x="3492588" y="542377"/>
-                  </a:lnTo>
-                  <a:lnTo>
-                    <a:pt x="3426821" y="490545"/>
-                  </a:lnTo>
-                  <a:lnTo>
-                    <a:pt x="3359338" y="440970"/>
-                  </a:lnTo>
-                  <a:lnTo>
-                    <a:pt x="3290215" y="393707"/>
-                  </a:lnTo>
-                  <a:lnTo>
-                    <a:pt x="3219533" y="348810"/>
-                  </a:lnTo>
-                  <a:lnTo>
-                    <a:pt x="3147371" y="306332"/>
-                  </a:lnTo>
-                  <a:lnTo>
-                    <a:pt x="3073812" y="266320"/>
-                  </a:lnTo>
-                  <a:lnTo>
-                    <a:pt x="2998942" y="228822"/>
-                  </a:lnTo>
-                  <a:lnTo>
-                    <a:pt x="2922845" y="193878"/>
-                  </a:lnTo>
-                  <a:lnTo>
-                    <a:pt x="2845609" y="161531"/>
-                  </a:lnTo>
-                  <a:lnTo>
-                    <a:pt x="2767323" y="131816"/>
-                  </a:lnTo>
-                  <a:lnTo>
-                    <a:pt x="2688075" y="104768"/>
-                  </a:lnTo>
-                  <a:lnTo>
-                    <a:pt x="2607958" y="80418"/>
-                  </a:lnTo>
-                  <a:lnTo>
-                    <a:pt x="2527062" y="58793"/>
-                  </a:lnTo>
-                  <a:lnTo>
-                    <a:pt x="2445481" y="39919"/>
-                  </a:lnTo>
-                  <a:lnTo>
-                    <a:pt x="2363307" y="23817"/>
-                  </a:lnTo>
-                  <a:lnTo>
-                    <a:pt x="2280636" y="10505"/>
-                  </a:lnTo>
-                  <a:lnTo>
-                    <a:pt x="2197562" y="0"/>
-                  </a:lnTo>
-                  <a:lnTo>
-                    <a:pt x="2188294" y="84792"/>
-                  </a:lnTo>
-                  <a:lnTo>
-                    <a:pt x="2179026" y="169584"/>
-                  </a:lnTo>
-                  <a:lnTo>
-                    <a:pt x="2169758" y="254376"/>
-                  </a:lnTo>
-                  <a:lnTo>
-                    <a:pt x="2160491" y="339168"/>
-                  </a:lnTo>
-                  <a:lnTo>
-                    <a:pt x="2151223" y="423960"/>
-                  </a:lnTo>
-                  <a:lnTo>
-                    <a:pt x="2141955" y="508752"/>
-                  </a:lnTo>
-                  <a:lnTo>
-                    <a:pt x="2132688" y="593544"/>
-                  </a:lnTo>
-                  <a:lnTo>
-                    <a:pt x="2123420" y="678336"/>
-                  </a:lnTo>
-                  <a:lnTo>
-                    <a:pt x="2114152" y="763128"/>
-                  </a:lnTo>
-                  <a:lnTo>
-                    <a:pt x="2104885" y="847920"/>
-                  </a:lnTo>
-                  <a:lnTo>
-                    <a:pt x="2095617" y="932712"/>
-                  </a:lnTo>
-                  <a:lnTo>
-                    <a:pt x="2086349" y="1017504"/>
-                  </a:lnTo>
-                  <a:lnTo>
-                    <a:pt x="2077081" y="1102296"/>
-                  </a:lnTo>
-                  <a:lnTo>
-                    <a:pt x="2067814" y="1187088"/>
-                  </a:lnTo>
-                  <a:lnTo>
-                    <a:pt x="2058546" y="1271880"/>
-                  </a:lnTo>
-                  <a:lnTo>
-                    <a:pt x="2049278" y="1356672"/>
-                  </a:lnTo>
-                  <a:lnTo>
-                    <a:pt x="2040011" y="1441465"/>
-                  </a:lnTo>
-                  <a:lnTo>
-                    <a:pt x="2030743" y="1526257"/>
-                  </a:lnTo>
-                  <a:lnTo>
-                    <a:pt x="2021475" y="1611049"/>
-                  </a:lnTo>
-                  <a:lnTo>
-                    <a:pt x="2012207" y="1695841"/>
-                  </a:lnTo>
-                  <a:lnTo>
-                    <a:pt x="2002940" y="1780633"/>
-                  </a:lnTo>
-                  <a:lnTo>
-                    <a:pt x="1993672" y="1865425"/>
-                  </a:lnTo>
-                  <a:lnTo>
-                    <a:pt x="1984404" y="1950217"/>
-                  </a:lnTo>
-                  <a:lnTo>
-                    <a:pt x="1975137" y="2035009"/>
-                  </a:lnTo>
-                  <a:lnTo>
-                    <a:pt x="1965869" y="2119801"/>
-                  </a:lnTo>
-                  <a:lnTo>
-                    <a:pt x="1956601" y="2204593"/>
-                  </a:lnTo>
-                  <a:lnTo>
-                    <a:pt x="1947334" y="2289385"/>
-                  </a:lnTo>
-                  <a:lnTo>
-                    <a:pt x="1938066" y="2374177"/>
+                    <a:pt x="1934471" y="2511849"/>
+                  </a:lnTo>
+                  <a:lnTo>
+                    <a:pt x="1865383" y="2561873"/>
+                  </a:lnTo>
+                  <a:lnTo>
+                    <a:pt x="1796294" y="2611897"/>
+                  </a:lnTo>
+                  <a:lnTo>
+                    <a:pt x="1727206" y="2661921"/>
+                  </a:lnTo>
+                  <a:lnTo>
+                    <a:pt x="1658118" y="2711945"/>
+                  </a:lnTo>
+                  <a:lnTo>
+                    <a:pt x="1589030" y="2761969"/>
+                  </a:lnTo>
+                  <a:lnTo>
+                    <a:pt x="1519941" y="2811993"/>
+                  </a:lnTo>
+                  <a:lnTo>
+                    <a:pt x="1450853" y="2862017"/>
+                  </a:lnTo>
+                  <a:lnTo>
+                    <a:pt x="1381765" y="2912041"/>
+                  </a:lnTo>
+                  <a:lnTo>
+                    <a:pt x="1312677" y="2962065"/>
+                  </a:lnTo>
+                  <a:lnTo>
+                    <a:pt x="1243588" y="3012089"/>
+                  </a:lnTo>
+                  <a:lnTo>
+                    <a:pt x="1174500" y="3062113"/>
+                  </a:lnTo>
+                  <a:lnTo>
+                    <a:pt x="1105412" y="3112137"/>
+                  </a:lnTo>
+                  <a:lnTo>
+                    <a:pt x="1036324" y="3162161"/>
+                  </a:lnTo>
+                  <a:lnTo>
+                    <a:pt x="967235" y="3212184"/>
+                  </a:lnTo>
+                  <a:lnTo>
+                    <a:pt x="898147" y="3262208"/>
+                  </a:lnTo>
+                  <a:lnTo>
+                    <a:pt x="829059" y="3312232"/>
+                  </a:lnTo>
+                  <a:lnTo>
+                    <a:pt x="759970" y="3362256"/>
+                  </a:lnTo>
+                  <a:lnTo>
+                    <a:pt x="690882" y="3412280"/>
+                  </a:lnTo>
+                  <a:lnTo>
+                    <a:pt x="621794" y="3462304"/>
+                  </a:lnTo>
+                  <a:lnTo>
+                    <a:pt x="552706" y="3512328"/>
+                  </a:lnTo>
+                  <a:lnTo>
+                    <a:pt x="483617" y="3562352"/>
+                  </a:lnTo>
+                  <a:lnTo>
+                    <a:pt x="414529" y="3612376"/>
+                  </a:lnTo>
+                  <a:lnTo>
+                    <a:pt x="345441" y="3662400"/>
+                  </a:lnTo>
+                  <a:lnTo>
+                    <a:pt x="276353" y="3712424"/>
+                  </a:lnTo>
+                  <a:lnTo>
+                    <a:pt x="207264" y="3762448"/>
+                  </a:lnTo>
+                  <a:lnTo>
+                    <a:pt x="138176" y="3812472"/>
+                  </a:lnTo>
+                  <a:lnTo>
+                    <a:pt x="69088" y="3862496"/>
+                  </a:lnTo>
+                  <a:lnTo>
+                    <a:pt x="0" y="3912520"/>
+                  </a:lnTo>
+                  <a:lnTo>
+                    <a:pt x="50602" y="3979957"/>
+                  </a:lnTo>
+                  <a:lnTo>
+                    <a:pt x="103473" y="4045630"/>
+                  </a:lnTo>
+                  <a:lnTo>
+                    <a:pt x="158551" y="4109463"/>
+                  </a:lnTo>
+                  <a:lnTo>
+                    <a:pt x="215773" y="4171383"/>
+                  </a:lnTo>
+                  <a:lnTo>
+                    <a:pt x="275072" y="4231316"/>
+                  </a:lnTo>
+                  <a:lnTo>
+                    <a:pt x="336378" y="4289193"/>
+                  </a:lnTo>
+                  <a:lnTo>
+                    <a:pt x="399622" y="4344948"/>
+                  </a:lnTo>
+                  <a:lnTo>
+                    <a:pt x="464729" y="4398515"/>
+                  </a:lnTo>
+                  <a:lnTo>
+                    <a:pt x="531623" y="4449832"/>
+                  </a:lnTo>
+                  <a:lnTo>
+                    <a:pt x="600228" y="4498840"/>
+                  </a:lnTo>
+                  <a:lnTo>
+                    <a:pt x="670463" y="4545481"/>
+                  </a:lnTo>
+                  <a:lnTo>
+                    <a:pt x="742246" y="4589701"/>
+                  </a:lnTo>
+                  <a:lnTo>
+                    <a:pt x="815495" y="4631450"/>
+                  </a:lnTo>
+                  <a:lnTo>
+                    <a:pt x="890124" y="4670678"/>
+                  </a:lnTo>
+                  <a:lnTo>
+                    <a:pt x="966047" y="4707339"/>
+                  </a:lnTo>
+                  <a:lnTo>
+                    <a:pt x="1043175" y="4741393"/>
+                  </a:lnTo>
+                  <a:lnTo>
+                    <a:pt x="1121418" y="4772798"/>
+                  </a:lnTo>
+                  <a:lnTo>
+                    <a:pt x="1200686" y="4801518"/>
+                  </a:lnTo>
+                  <a:lnTo>
+                    <a:pt x="1280888" y="4827520"/>
+                  </a:lnTo>
+                  <a:lnTo>
+                    <a:pt x="1361928" y="4850774"/>
+                  </a:lnTo>
+                  <a:lnTo>
+                    <a:pt x="1443714" y="4871253"/>
+                  </a:lnTo>
+                  <a:lnTo>
+                    <a:pt x="1526151" y="4888932"/>
+                  </a:lnTo>
+                  <a:lnTo>
+                    <a:pt x="1609142" y="4903792"/>
+                  </a:lnTo>
+                  <a:lnTo>
+                    <a:pt x="1692591" y="4915815"/>
+                  </a:lnTo>
+                  <a:lnTo>
+                    <a:pt x="1776401" y="4924987"/>
+                  </a:lnTo>
+                  <a:lnTo>
+                    <a:pt x="1860476" y="4931298"/>
+                  </a:lnTo>
+                  <a:lnTo>
+                    <a:pt x="1944716" y="4934739"/>
+                  </a:lnTo>
+                  <a:lnTo>
+                    <a:pt x="2029025" y="4935308"/>
+                  </a:lnTo>
+                  <a:lnTo>
+                    <a:pt x="2113305" y="4933004"/>
+                  </a:lnTo>
+                  <a:lnTo>
+                    <a:pt x="2197457" y="4927828"/>
+                  </a:lnTo>
+                  <a:lnTo>
+                    <a:pt x="2281383" y="4919788"/>
+                  </a:lnTo>
+                  <a:lnTo>
+                    <a:pt x="2364987" y="4908892"/>
+                  </a:lnTo>
+                  <a:lnTo>
+                    <a:pt x="2448171" y="4895154"/>
+                  </a:lnTo>
+                  <a:lnTo>
+                    <a:pt x="2530839" y="4878588"/>
+                  </a:lnTo>
+                  <a:lnTo>
+                    <a:pt x="2612894" y="4859215"/>
+                  </a:lnTo>
+                  <a:lnTo>
+                    <a:pt x="2694241" y="4837057"/>
+                  </a:lnTo>
+                  <a:lnTo>
+                    <a:pt x="2774785" y="4812139"/>
+                  </a:lnTo>
+                  <a:lnTo>
+                    <a:pt x="2854434" y="4784491"/>
+                  </a:lnTo>
+                  <a:lnTo>
+                    <a:pt x="2933094" y="4754145"/>
+                  </a:lnTo>
+                  <a:lnTo>
+                    <a:pt x="3010675" y="4721136"/>
+                  </a:lnTo>
+                  <a:lnTo>
+                    <a:pt x="3087085" y="4685502"/>
+                  </a:lnTo>
+                  <a:lnTo>
+                    <a:pt x="3162237" y="4647285"/>
+                  </a:lnTo>
+                  <a:lnTo>
+                    <a:pt x="3236042" y="4606528"/>
+                  </a:lnTo>
+                  <a:lnTo>
+                    <a:pt x="3308416" y="4563281"/>
+                  </a:lnTo>
+                  <a:lnTo>
+                    <a:pt x="3379274" y="4517592"/>
+                  </a:lnTo>
+                  <a:lnTo>
+                    <a:pt x="3448533" y="4469514"/>
+                  </a:lnTo>
+                  <a:lnTo>
+                    <a:pt x="3516114" y="4419105"/>
+                  </a:lnTo>
+                  <a:lnTo>
+                    <a:pt x="3581938" y="4366421"/>
+                  </a:lnTo>
+                  <a:lnTo>
+                    <a:pt x="3645928" y="4311525"/>
+                  </a:lnTo>
+                  <a:lnTo>
+                    <a:pt x="3708011" y="4254480"/>
+                  </a:lnTo>
+                  <a:lnTo>
+                    <a:pt x="3768113" y="4195353"/>
+                  </a:lnTo>
+                  <a:lnTo>
+                    <a:pt x="3826165" y="4134211"/>
+                  </a:lnTo>
+                  <a:lnTo>
+                    <a:pt x="3882100" y="4071127"/>
+                  </a:lnTo>
+                  <a:lnTo>
+                    <a:pt x="3935852" y="4006173"/>
+                  </a:lnTo>
+                  <a:lnTo>
+                    <a:pt x="3987360" y="3939425"/>
+                  </a:lnTo>
+                  <a:lnTo>
+                    <a:pt x="4036563" y="3870961"/>
+                  </a:lnTo>
+                  <a:lnTo>
+                    <a:pt x="4083404" y="3800859"/>
+                  </a:lnTo>
+                  <a:lnTo>
+                    <a:pt x="4127829" y="3729202"/>
+                  </a:lnTo>
+                  <a:lnTo>
+                    <a:pt x="4169786" y="3656073"/>
+                  </a:lnTo>
+                  <a:lnTo>
+                    <a:pt x="4209227" y="3581556"/>
+                  </a:lnTo>
+                  <a:lnTo>
+                    <a:pt x="4246105" y="3505738"/>
+                  </a:lnTo>
+                  <a:lnTo>
+                    <a:pt x="4280378" y="3428708"/>
+                  </a:lnTo>
+                  <a:lnTo>
+                    <a:pt x="4312006" y="3350554"/>
+                  </a:lnTo>
+                  <a:lnTo>
+                    <a:pt x="4340952" y="3271368"/>
+                  </a:lnTo>
+                  <a:lnTo>
+                    <a:pt x="4367183" y="3191241"/>
+                  </a:lnTo>
+                  <a:lnTo>
+                    <a:pt x="4390668" y="3110267"/>
+                  </a:lnTo>
+                  <a:lnTo>
+                    <a:pt x="4411380" y="3028540"/>
+                  </a:lnTo>
+                  <a:lnTo>
+                    <a:pt x="4429294" y="2946154"/>
+                  </a:lnTo>
+                  <a:lnTo>
+                    <a:pt x="4444391" y="2863206"/>
+                  </a:lnTo>
+                  <a:lnTo>
+                    <a:pt x="4456652" y="2779791"/>
+                  </a:lnTo>
+                  <a:lnTo>
+                    <a:pt x="4466063" y="2696007"/>
+                  </a:lnTo>
+                  <a:lnTo>
+                    <a:pt x="4472613" y="2611951"/>
+                  </a:lnTo>
+                  <a:lnTo>
+                    <a:pt x="4476295" y="2527721"/>
+                  </a:lnTo>
+                  <a:lnTo>
+                    <a:pt x="4477105" y="2443414"/>
+                  </a:lnTo>
+                  <a:lnTo>
+                    <a:pt x="4475040" y="2359128"/>
+                  </a:lnTo>
+                  <a:lnTo>
+                    <a:pt x="4470105" y="2274962"/>
+                  </a:lnTo>
+                  <a:lnTo>
+                    <a:pt x="4462304" y="2191013"/>
+                  </a:lnTo>
+                  <a:lnTo>
+                    <a:pt x="4451647" y="2107378"/>
+                  </a:lnTo>
+                  <a:lnTo>
+                    <a:pt x="4438146" y="2024155"/>
+                  </a:lnTo>
+                  <a:lnTo>
+                    <a:pt x="4421816" y="1941441"/>
+                  </a:lnTo>
+                  <a:lnTo>
+                    <a:pt x="4402677" y="1859331"/>
+                  </a:lnTo>
+                  <a:lnTo>
+                    <a:pt x="4380751" y="1777921"/>
+                  </a:lnTo>
+                  <a:lnTo>
+                    <a:pt x="4356063" y="1697306"/>
+                  </a:lnTo>
+                  <a:lnTo>
+                    <a:pt x="4328643" y="1617578"/>
+                  </a:lnTo>
+                  <a:lnTo>
+                    <a:pt x="4298521" y="1538832"/>
+                  </a:lnTo>
+                  <a:lnTo>
+                    <a:pt x="4265733" y="1461158"/>
+                  </a:lnTo>
+                  <a:lnTo>
+                    <a:pt x="4230317" y="1384646"/>
+                  </a:lnTo>
+                  <a:lnTo>
+                    <a:pt x="4192314" y="1309386"/>
+                  </a:lnTo>
+                  <a:lnTo>
+                    <a:pt x="4151769" y="1235464"/>
+                  </a:lnTo>
+                  <a:lnTo>
+                    <a:pt x="4108728" y="1162967"/>
+                  </a:lnTo>
+                  <a:lnTo>
+                    <a:pt x="4063241" y="1091980"/>
+                  </a:lnTo>
+                  <a:lnTo>
+                    <a:pt x="4015361" y="1022583"/>
+                  </a:lnTo>
+                  <a:lnTo>
+                    <a:pt x="3965145" y="954859"/>
+                  </a:lnTo>
+                  <a:lnTo>
+                    <a:pt x="3912649" y="888885"/>
+                  </a:lnTo>
+                  <a:lnTo>
+                    <a:pt x="3857936" y="824738"/>
+                  </a:lnTo>
+                  <a:lnTo>
+                    <a:pt x="3801068" y="762494"/>
+                  </a:lnTo>
+                  <a:lnTo>
+                    <a:pt x="3742112" y="702223"/>
+                  </a:lnTo>
+                  <a:lnTo>
+                    <a:pt x="3681137" y="643997"/>
+                  </a:lnTo>
+                  <a:lnTo>
+                    <a:pt x="3618212" y="587882"/>
+                  </a:lnTo>
+                  <a:lnTo>
+                    <a:pt x="3553412" y="533945"/>
+                  </a:lnTo>
+                  <a:lnTo>
+                    <a:pt x="3486811" y="482247"/>
+                  </a:lnTo>
+                  <a:lnTo>
+                    <a:pt x="3418487" y="432849"/>
+                  </a:lnTo>
+                  <a:lnTo>
+                    <a:pt x="3348519" y="385808"/>
+                  </a:lnTo>
+                  <a:lnTo>
+                    <a:pt x="3276989" y="341179"/>
+                  </a:lnTo>
+                  <a:lnTo>
+                    <a:pt x="3203980" y="299013"/>
+                  </a:lnTo>
+                  <a:lnTo>
+                    <a:pt x="3129576" y="259360"/>
+                  </a:lnTo>
+                  <a:lnTo>
+                    <a:pt x="3053864" y="222266"/>
+                  </a:lnTo>
+                  <a:lnTo>
+                    <a:pt x="2976931" y="187773"/>
+                  </a:lnTo>
+                  <a:lnTo>
+                    <a:pt x="2898868" y="155922"/>
+                  </a:lnTo>
+                  <a:lnTo>
+                    <a:pt x="2819765" y="126751"/>
+                  </a:lnTo>
+                  <a:lnTo>
+                    <a:pt x="2739713" y="100291"/>
+                  </a:lnTo>
+                  <a:lnTo>
+                    <a:pt x="2658807" y="76576"/>
+                  </a:lnTo>
+                  <a:lnTo>
+                    <a:pt x="2577139" y="55631"/>
+                  </a:lnTo>
+                  <a:lnTo>
+                    <a:pt x="2494805" y="37481"/>
+                  </a:lnTo>
+                  <a:lnTo>
+                    <a:pt x="2411900" y="22148"/>
+                  </a:lnTo>
+                  <a:lnTo>
+                    <a:pt x="2328520" y="9650"/>
+                  </a:lnTo>
+                  <a:lnTo>
+                    <a:pt x="2244764" y="0"/>
+                  </a:lnTo>
+                  <a:lnTo>
+                    <a:pt x="2236446" y="84890"/>
+                  </a:lnTo>
+                  <a:lnTo>
+                    <a:pt x="2228129" y="169781"/>
+                  </a:lnTo>
+                  <a:lnTo>
+                    <a:pt x="2219811" y="254671"/>
+                  </a:lnTo>
+                  <a:lnTo>
+                    <a:pt x="2211494" y="339562"/>
+                  </a:lnTo>
+                  <a:lnTo>
+                    <a:pt x="2203177" y="424452"/>
+                  </a:lnTo>
+                  <a:lnTo>
+                    <a:pt x="2194859" y="509343"/>
+                  </a:lnTo>
+                  <a:lnTo>
+                    <a:pt x="2186542" y="594233"/>
+                  </a:lnTo>
+                  <a:lnTo>
+                    <a:pt x="2178224" y="679124"/>
+                  </a:lnTo>
+                  <a:lnTo>
+                    <a:pt x="2169907" y="764014"/>
+                  </a:lnTo>
+                  <a:lnTo>
+                    <a:pt x="2161590" y="848905"/>
+                  </a:lnTo>
+                  <a:lnTo>
+                    <a:pt x="2153272" y="933795"/>
+                  </a:lnTo>
+                  <a:lnTo>
+                    <a:pt x="2144955" y="1018686"/>
+                  </a:lnTo>
+                  <a:lnTo>
+                    <a:pt x="2136637" y="1103577"/>
+                  </a:lnTo>
+                  <a:lnTo>
+                    <a:pt x="2128320" y="1188467"/>
+                  </a:lnTo>
+                  <a:lnTo>
+                    <a:pt x="2120003" y="1273358"/>
+                  </a:lnTo>
+                  <a:lnTo>
+                    <a:pt x="2111685" y="1358248"/>
+                  </a:lnTo>
+                  <a:lnTo>
+                    <a:pt x="2103368" y="1443139"/>
+                  </a:lnTo>
+                  <a:lnTo>
+                    <a:pt x="2095051" y="1528029"/>
+                  </a:lnTo>
+                  <a:lnTo>
+                    <a:pt x="2086733" y="1612920"/>
+                  </a:lnTo>
+                  <a:lnTo>
+                    <a:pt x="2078416" y="1697810"/>
+                  </a:lnTo>
+                  <a:lnTo>
+                    <a:pt x="2070098" y="1782701"/>
+                  </a:lnTo>
+                  <a:lnTo>
+                    <a:pt x="2061781" y="1867591"/>
+                  </a:lnTo>
+                  <a:lnTo>
+                    <a:pt x="2053464" y="1952482"/>
+                  </a:lnTo>
+                  <a:lnTo>
+                    <a:pt x="2045146" y="2037373"/>
+                  </a:lnTo>
+                  <a:lnTo>
+                    <a:pt x="2036829" y="2122263"/>
+                  </a:lnTo>
+                  <a:lnTo>
+                    <a:pt x="2028511" y="2207154"/>
+                  </a:lnTo>
+                  <a:lnTo>
+                    <a:pt x="2020194" y="2292044"/>
+                  </a:lnTo>
+                  <a:lnTo>
+                    <a:pt x="2011877" y="2376935"/>
                   </a:lnTo>
                   <a:close/>
                 </a:path>
@@ -3083,294 +3083,294 @@
           </p:nvSpPr>
           <p:spPr>
             <a:xfrm>
-              <a:off x="3013052" y="2893209"/>
-              <a:ext cx="2473347" cy="2878682"/>
+              <a:off x="3012806" y="2788842"/>
+              <a:ext cx="2473593" cy="2885034"/>
             </a:xfrm>
             <a:custGeom>
               <a:avLst/>
               <a:pathLst>
-                <a:path w="2473347" h="2878682">
+                <a:path w="2473593" h="2885034">
                   <a:moveTo>
-                    <a:pt x="2473347" y="1329972"/>
+                    <a:pt x="2473593" y="1434339"/>
                   </a:moveTo>
                   <a:lnTo>
-                    <a:pt x="2401428" y="1284111"/>
-                  </a:lnTo>
-                  <a:lnTo>
-                    <a:pt x="2329509" y="1238250"/>
-                  </a:lnTo>
-                  <a:lnTo>
-                    <a:pt x="2257590" y="1192389"/>
-                  </a:lnTo>
-                  <a:lnTo>
-                    <a:pt x="2185671" y="1146528"/>
-                  </a:lnTo>
-                  <a:lnTo>
-                    <a:pt x="2113752" y="1100667"/>
-                  </a:lnTo>
-                  <a:lnTo>
-                    <a:pt x="2041833" y="1054806"/>
-                  </a:lnTo>
-                  <a:lnTo>
-                    <a:pt x="1969914" y="1008944"/>
-                  </a:lnTo>
-                  <a:lnTo>
-                    <a:pt x="1897995" y="963083"/>
-                  </a:lnTo>
-                  <a:lnTo>
-                    <a:pt x="1826076" y="917222"/>
-                  </a:lnTo>
-                  <a:lnTo>
-                    <a:pt x="1754157" y="871361"/>
-                  </a:lnTo>
-                  <a:lnTo>
-                    <a:pt x="1682238" y="825500"/>
-                  </a:lnTo>
-                  <a:lnTo>
-                    <a:pt x="1610319" y="779639"/>
-                  </a:lnTo>
-                  <a:lnTo>
-                    <a:pt x="1538400" y="733778"/>
-                  </a:lnTo>
-                  <a:lnTo>
-                    <a:pt x="1466481" y="687917"/>
-                  </a:lnTo>
-                  <a:lnTo>
-                    <a:pt x="1394562" y="642055"/>
-                  </a:lnTo>
-                  <a:lnTo>
-                    <a:pt x="1322643" y="596194"/>
-                  </a:lnTo>
-                  <a:lnTo>
-                    <a:pt x="1250724" y="550333"/>
-                  </a:lnTo>
-                  <a:lnTo>
-                    <a:pt x="1178805" y="504472"/>
-                  </a:lnTo>
-                  <a:lnTo>
-                    <a:pt x="1106886" y="458611"/>
-                  </a:lnTo>
-                  <a:lnTo>
-                    <a:pt x="1034967" y="412750"/>
-                  </a:lnTo>
-                  <a:lnTo>
-                    <a:pt x="963048" y="366889"/>
-                  </a:lnTo>
-                  <a:lnTo>
-                    <a:pt x="891129" y="321027"/>
-                  </a:lnTo>
-                  <a:lnTo>
-                    <a:pt x="819210" y="275166"/>
-                  </a:lnTo>
-                  <a:lnTo>
-                    <a:pt x="747291" y="229305"/>
-                  </a:lnTo>
-                  <a:lnTo>
-                    <a:pt x="675372" y="183444"/>
-                  </a:lnTo>
-                  <a:lnTo>
-                    <a:pt x="603453" y="137583"/>
-                  </a:lnTo>
-                  <a:lnTo>
-                    <a:pt x="531534" y="91722"/>
-                  </a:lnTo>
-                  <a:lnTo>
-                    <a:pt x="459615" y="45861"/>
-                  </a:lnTo>
-                  <a:lnTo>
-                    <a:pt x="387696" y="0"/>
-                  </a:lnTo>
-                  <a:lnTo>
-                    <a:pt x="342986" y="72861"/>
-                  </a:lnTo>
-                  <a:lnTo>
-                    <a:pt x="300819" y="147225"/>
-                  </a:lnTo>
-                  <a:lnTo>
-                    <a:pt x="261248" y="223001"/>
-                  </a:lnTo>
-                  <a:lnTo>
-                    <a:pt x="224319" y="300099"/>
-                  </a:lnTo>
-                  <a:lnTo>
-                    <a:pt x="190075" y="378427"/>
-                  </a:lnTo>
-                  <a:lnTo>
-                    <a:pt x="158559" y="457892"/>
-                  </a:lnTo>
-                  <a:lnTo>
-                    <a:pt x="129807" y="538398"/>
-                  </a:lnTo>
-                  <a:lnTo>
-                    <a:pt x="103855" y="619850"/>
-                  </a:lnTo>
-                  <a:lnTo>
-                    <a:pt x="80732" y="702149"/>
-                  </a:lnTo>
-                  <a:lnTo>
-                    <a:pt x="60467" y="785199"/>
-                  </a:lnTo>
-                  <a:lnTo>
-                    <a:pt x="43084" y="868899"/>
-                  </a:lnTo>
-                  <a:lnTo>
-                    <a:pt x="28603" y="953150"/>
-                  </a:lnTo>
-                  <a:lnTo>
-                    <a:pt x="17042" y="1037851"/>
-                  </a:lnTo>
-                  <a:lnTo>
-                    <a:pt x="8415" y="1122901"/>
-                  </a:lnTo>
-                  <a:lnTo>
-                    <a:pt x="2732" y="1208198"/>
-                  </a:lnTo>
-                  <a:lnTo>
-                    <a:pt x="0" y="1293640"/>
-                  </a:lnTo>
-                  <a:lnTo>
-                    <a:pt x="221" y="1379126"/>
-                  </a:lnTo>
-                  <a:lnTo>
-                    <a:pt x="3396" y="1464554"/>
-                  </a:lnTo>
-                  <a:lnTo>
-                    <a:pt x="9522" y="1549820"/>
-                  </a:lnTo>
-                  <a:lnTo>
-                    <a:pt x="18590" y="1634824"/>
-                  </a:lnTo>
-                  <a:lnTo>
-                    <a:pt x="30589" y="1719464"/>
-                  </a:lnTo>
-                  <a:lnTo>
-                    <a:pt x="45507" y="1803639"/>
-                  </a:lnTo>
-                  <a:lnTo>
-                    <a:pt x="63324" y="1887247"/>
-                  </a:lnTo>
-                  <a:lnTo>
-                    <a:pt x="84019" y="1970191"/>
-                  </a:lnTo>
-                  <a:lnTo>
-                    <a:pt x="107568" y="2052370"/>
-                  </a:lnTo>
-                  <a:lnTo>
-                    <a:pt x="133943" y="2133686"/>
-                  </a:lnTo>
-                  <a:lnTo>
-                    <a:pt x="163111" y="2214042"/>
-                  </a:lnTo>
-                  <a:lnTo>
-                    <a:pt x="195039" y="2293342"/>
-                  </a:lnTo>
-                  <a:lnTo>
-                    <a:pt x="229688" y="2371491"/>
-                  </a:lnTo>
-                  <a:lnTo>
-                    <a:pt x="267016" y="2448397"/>
-                  </a:lnTo>
-                  <a:lnTo>
-                    <a:pt x="306980" y="2523967"/>
-                  </a:lnTo>
-                  <a:lnTo>
-                    <a:pt x="349531" y="2598111"/>
-                  </a:lnTo>
-                  <a:lnTo>
-                    <a:pt x="394619" y="2670740"/>
-                  </a:lnTo>
-                  <a:lnTo>
-                    <a:pt x="442189" y="2741768"/>
-                  </a:lnTo>
-                  <a:lnTo>
-                    <a:pt x="492186" y="2811109"/>
-                  </a:lnTo>
-                  <a:lnTo>
-                    <a:pt x="544548" y="2878682"/>
-                  </a:lnTo>
-                  <a:lnTo>
-                    <a:pt x="611058" y="2825278"/>
-                  </a:lnTo>
-                  <a:lnTo>
-                    <a:pt x="677569" y="2771875"/>
-                  </a:lnTo>
-                  <a:lnTo>
-                    <a:pt x="744079" y="2718471"/>
-                  </a:lnTo>
-                  <a:lnTo>
-                    <a:pt x="810589" y="2665067"/>
-                  </a:lnTo>
-                  <a:lnTo>
-                    <a:pt x="877099" y="2611663"/>
-                  </a:lnTo>
-                  <a:lnTo>
-                    <a:pt x="943610" y="2558259"/>
-                  </a:lnTo>
-                  <a:lnTo>
-                    <a:pt x="1010120" y="2504856"/>
-                  </a:lnTo>
-                  <a:lnTo>
-                    <a:pt x="1076630" y="2451452"/>
-                  </a:lnTo>
-                  <a:lnTo>
-                    <a:pt x="1143141" y="2398048"/>
-                  </a:lnTo>
-                  <a:lnTo>
-                    <a:pt x="1209651" y="2344644"/>
-                  </a:lnTo>
-                  <a:lnTo>
-                    <a:pt x="1276161" y="2291241"/>
-                  </a:lnTo>
-                  <a:lnTo>
-                    <a:pt x="1342672" y="2237837"/>
-                  </a:lnTo>
-                  <a:lnTo>
-                    <a:pt x="1409182" y="2184433"/>
-                  </a:lnTo>
-                  <a:lnTo>
-                    <a:pt x="1475692" y="2131029"/>
-                  </a:lnTo>
-                  <a:lnTo>
-                    <a:pt x="1542202" y="2077625"/>
-                  </a:lnTo>
-                  <a:lnTo>
-                    <a:pt x="1608713" y="2024222"/>
-                  </a:lnTo>
-                  <a:lnTo>
-                    <a:pt x="1675223" y="1970818"/>
-                  </a:lnTo>
-                  <a:lnTo>
-                    <a:pt x="1741733" y="1917414"/>
-                  </a:lnTo>
-                  <a:lnTo>
-                    <a:pt x="1808244" y="1864010"/>
-                  </a:lnTo>
-                  <a:lnTo>
-                    <a:pt x="1874754" y="1810606"/>
-                  </a:lnTo>
-                  <a:lnTo>
-                    <a:pt x="1941264" y="1757203"/>
-                  </a:lnTo>
-                  <a:lnTo>
-                    <a:pt x="2007775" y="1703799"/>
-                  </a:lnTo>
-                  <a:lnTo>
-                    <a:pt x="2074285" y="1650395"/>
-                  </a:lnTo>
-                  <a:lnTo>
-                    <a:pt x="2140795" y="1596991"/>
-                  </a:lnTo>
-                  <a:lnTo>
-                    <a:pt x="2207305" y="1543588"/>
-                  </a:lnTo>
-                  <a:lnTo>
-                    <a:pt x="2273816" y="1490184"/>
-                  </a:lnTo>
-                  <a:lnTo>
-                    <a:pt x="2340326" y="1436780"/>
-                  </a:lnTo>
-                  <a:lnTo>
-                    <a:pt x="2406836" y="1383376"/>
+                    <a:pt x="2404100" y="1384879"/>
+                  </a:lnTo>
+                  <a:lnTo>
+                    <a:pt x="2334607" y="1335419"/>
+                  </a:lnTo>
+                  <a:lnTo>
+                    <a:pt x="2265114" y="1285959"/>
+                  </a:lnTo>
+                  <a:lnTo>
+                    <a:pt x="2195621" y="1236499"/>
+                  </a:lnTo>
+                  <a:lnTo>
+                    <a:pt x="2126127" y="1187039"/>
+                  </a:lnTo>
+                  <a:lnTo>
+                    <a:pt x="2056634" y="1137579"/>
+                  </a:lnTo>
+                  <a:lnTo>
+                    <a:pt x="1987141" y="1088119"/>
+                  </a:lnTo>
+                  <a:lnTo>
+                    <a:pt x="1917648" y="1038659"/>
+                  </a:lnTo>
+                  <a:lnTo>
+                    <a:pt x="1848155" y="989199"/>
+                  </a:lnTo>
+                  <a:lnTo>
+                    <a:pt x="1778662" y="939739"/>
+                  </a:lnTo>
+                  <a:lnTo>
+                    <a:pt x="1709169" y="890279"/>
+                  </a:lnTo>
+                  <a:lnTo>
+                    <a:pt x="1639676" y="840819"/>
+                  </a:lnTo>
+                  <a:lnTo>
+                    <a:pt x="1570182" y="791359"/>
+                  </a:lnTo>
+                  <a:lnTo>
+                    <a:pt x="1500689" y="741899"/>
+                  </a:lnTo>
+                  <a:lnTo>
+                    <a:pt x="1431196" y="692439"/>
+                  </a:lnTo>
+                  <a:lnTo>
+                    <a:pt x="1361703" y="642979"/>
+                  </a:lnTo>
+                  <a:lnTo>
+                    <a:pt x="1292210" y="593519"/>
+                  </a:lnTo>
+                  <a:lnTo>
+                    <a:pt x="1222717" y="544059"/>
+                  </a:lnTo>
+                  <a:lnTo>
+                    <a:pt x="1153224" y="494599"/>
+                  </a:lnTo>
+                  <a:lnTo>
+                    <a:pt x="1083731" y="445139"/>
+                  </a:lnTo>
+                  <a:lnTo>
+                    <a:pt x="1014238" y="395679"/>
+                  </a:lnTo>
+                  <a:lnTo>
+                    <a:pt x="944744" y="346219"/>
+                  </a:lnTo>
+                  <a:lnTo>
+                    <a:pt x="875251" y="296759"/>
+                  </a:lnTo>
+                  <a:lnTo>
+                    <a:pt x="805758" y="247299"/>
+                  </a:lnTo>
+                  <a:lnTo>
+                    <a:pt x="736265" y="197839"/>
+                  </a:lnTo>
+                  <a:lnTo>
+                    <a:pt x="666772" y="148379"/>
+                  </a:lnTo>
+                  <a:lnTo>
+                    <a:pt x="597279" y="98919"/>
+                  </a:lnTo>
+                  <a:lnTo>
+                    <a:pt x="527786" y="49459"/>
+                  </a:lnTo>
+                  <a:lnTo>
+                    <a:pt x="458293" y="0"/>
+                  </a:lnTo>
+                  <a:lnTo>
+                    <a:pt x="409894" y="70553"/>
+                  </a:lnTo>
+                  <a:lnTo>
+                    <a:pt x="363965" y="142738"/>
+                  </a:lnTo>
+                  <a:lnTo>
+                    <a:pt x="320559" y="216468"/>
+                  </a:lnTo>
+                  <a:lnTo>
+                    <a:pt x="279729" y="291656"/>
+                  </a:lnTo>
+                  <a:lnTo>
+                    <a:pt x="241524" y="368210"/>
+                  </a:lnTo>
+                  <a:lnTo>
+                    <a:pt x="205989" y="446040"/>
+                  </a:lnTo>
+                  <a:lnTo>
+                    <a:pt x="173166" y="525052"/>
+                  </a:lnTo>
+                  <a:lnTo>
+                    <a:pt x="143096" y="605152"/>
+                  </a:lnTo>
+                  <a:lnTo>
+                    <a:pt x="115815" y="686244"/>
+                  </a:lnTo>
+                  <a:lnTo>
+                    <a:pt x="91353" y="768231"/>
+                  </a:lnTo>
+                  <a:lnTo>
+                    <a:pt x="69742" y="851015"/>
+                  </a:lnTo>
+                  <a:lnTo>
+                    <a:pt x="51007" y="934496"/>
+                  </a:lnTo>
+                  <a:lnTo>
+                    <a:pt x="35170" y="1018576"/>
+                  </a:lnTo>
+                  <a:lnTo>
+                    <a:pt x="22250" y="1103153"/>
+                  </a:lnTo>
+                  <a:lnTo>
+                    <a:pt x="12263" y="1188126"/>
+                  </a:lnTo>
+                  <a:lnTo>
+                    <a:pt x="5220" y="1273394"/>
+                  </a:lnTo>
+                  <a:lnTo>
+                    <a:pt x="1131" y="1358855"/>
+                  </a:lnTo>
+                  <a:lnTo>
+                    <a:pt x="0" y="1444406"/>
+                  </a:lnTo>
+                  <a:lnTo>
+                    <a:pt x="1827" y="1529944"/>
+                  </a:lnTo>
+                  <a:lnTo>
+                    <a:pt x="6612" y="1615369"/>
+                  </a:lnTo>
+                  <a:lnTo>
+                    <a:pt x="14348" y="1700576"/>
+                  </a:lnTo>
+                  <a:lnTo>
+                    <a:pt x="25027" y="1785466"/>
+                  </a:lnTo>
+                  <a:lnTo>
+                    <a:pt x="38635" y="1869935"/>
+                  </a:lnTo>
+                  <a:lnTo>
+                    <a:pt x="55155" y="1953883"/>
+                  </a:lnTo>
+                  <a:lnTo>
+                    <a:pt x="74569" y="2037209"/>
+                  </a:lnTo>
+                  <a:lnTo>
+                    <a:pt x="96854" y="2119814"/>
+                  </a:lnTo>
+                  <a:lnTo>
+                    <a:pt x="121981" y="2201600"/>
+                  </a:lnTo>
+                  <a:lnTo>
+                    <a:pt x="149922" y="2282467"/>
+                  </a:lnTo>
+                  <a:lnTo>
+                    <a:pt x="180643" y="2362319"/>
+                  </a:lnTo>
+                  <a:lnTo>
+                    <a:pt x="214107" y="2441062"/>
+                  </a:lnTo>
+                  <a:lnTo>
+                    <a:pt x="250274" y="2518600"/>
+                  </a:lnTo>
+                  <a:lnTo>
+                    <a:pt x="289102" y="2594841"/>
+                  </a:lnTo>
+                  <a:lnTo>
+                    <a:pt x="330542" y="2669693"/>
+                  </a:lnTo>
+                  <a:lnTo>
+                    <a:pt x="374546" y="2743068"/>
+                  </a:lnTo>
+                  <a:lnTo>
+                    <a:pt x="421062" y="2814877"/>
+                  </a:lnTo>
+                  <a:lnTo>
+                    <a:pt x="470033" y="2885034"/>
+                  </a:lnTo>
+                  <a:lnTo>
+                    <a:pt x="539121" y="2835010"/>
+                  </a:lnTo>
+                  <a:lnTo>
+                    <a:pt x="608210" y="2784986"/>
+                  </a:lnTo>
+                  <a:lnTo>
+                    <a:pt x="677298" y="2734962"/>
+                  </a:lnTo>
+                  <a:lnTo>
+                    <a:pt x="746386" y="2684938"/>
+                  </a:lnTo>
+                  <a:lnTo>
+                    <a:pt x="815475" y="2634914"/>
+                  </a:lnTo>
+                  <a:lnTo>
+                    <a:pt x="884563" y="2584890"/>
+                  </a:lnTo>
+                  <a:lnTo>
+                    <a:pt x="953651" y="2534866"/>
+                  </a:lnTo>
+                  <a:lnTo>
+                    <a:pt x="1022739" y="2484842"/>
+                  </a:lnTo>
+                  <a:lnTo>
+                    <a:pt x="1091828" y="2434818"/>
+                  </a:lnTo>
+                  <a:lnTo>
+                    <a:pt x="1160916" y="2384794"/>
+                  </a:lnTo>
+                  <a:lnTo>
+                    <a:pt x="1230004" y="2334770"/>
+                  </a:lnTo>
+                  <a:lnTo>
+                    <a:pt x="1299092" y="2284746"/>
+                  </a:lnTo>
+                  <a:lnTo>
+                    <a:pt x="1368181" y="2234722"/>
+                  </a:lnTo>
+                  <a:lnTo>
+                    <a:pt x="1437269" y="2184699"/>
+                  </a:lnTo>
+                  <a:lnTo>
+                    <a:pt x="1506357" y="2134675"/>
+                  </a:lnTo>
+                  <a:lnTo>
+                    <a:pt x="1575445" y="2084651"/>
+                  </a:lnTo>
+                  <a:lnTo>
+                    <a:pt x="1644534" y="2034627"/>
+                  </a:lnTo>
+                  <a:lnTo>
+                    <a:pt x="1713622" y="1984603"/>
+                  </a:lnTo>
+                  <a:lnTo>
+                    <a:pt x="1782710" y="1934579"/>
+                  </a:lnTo>
+                  <a:lnTo>
+                    <a:pt x="1851799" y="1884555"/>
+                  </a:lnTo>
+                  <a:lnTo>
+                    <a:pt x="1920887" y="1834531"/>
+                  </a:lnTo>
+                  <a:lnTo>
+                    <a:pt x="1989975" y="1784507"/>
+                  </a:lnTo>
+                  <a:lnTo>
+                    <a:pt x="2059063" y="1734483"/>
+                  </a:lnTo>
+                  <a:lnTo>
+                    <a:pt x="2128152" y="1684459"/>
+                  </a:lnTo>
+                  <a:lnTo>
+                    <a:pt x="2197240" y="1634435"/>
+                  </a:lnTo>
+                  <a:lnTo>
+                    <a:pt x="2266328" y="1584411"/>
+                  </a:lnTo>
+                  <a:lnTo>
+                    <a:pt x="2335416" y="1534387"/>
+                  </a:lnTo>
+                  <a:lnTo>
+                    <a:pt x="2404505" y="1484363"/>
                   </a:lnTo>
                   <a:close/>
                 </a:path>
@@ -3405,273 +3405,270 @@
           </p:nvSpPr>
           <p:spPr>
             <a:xfrm>
-              <a:off x="3400749" y="1749568"/>
-              <a:ext cx="2085650" cy="2473613"/>
+              <a:off x="3471099" y="1749568"/>
+              <a:ext cx="2015300" cy="2473613"/>
             </a:xfrm>
             <a:custGeom>
               <a:avLst/>
               <a:pathLst>
-                <a:path w="2085650" h="2473613">
+                <a:path w="2015300" h="2473613">
                   <a:moveTo>
-                    <a:pt x="2085650" y="2473613"/>
+                    <a:pt x="2015300" y="2473613"/>
                   </a:moveTo>
                   <a:lnTo>
-                    <a:pt x="2085650" y="2388316"/>
-                  </a:lnTo>
-                  <a:lnTo>
-                    <a:pt x="2085650" y="2303019"/>
-                  </a:lnTo>
-                  <a:lnTo>
-                    <a:pt x="2085650" y="2217722"/>
-                  </a:lnTo>
-                  <a:lnTo>
-                    <a:pt x="2085650" y="2132425"/>
-                  </a:lnTo>
-                  <a:lnTo>
-                    <a:pt x="2085650" y="2047128"/>
-                  </a:lnTo>
-                  <a:lnTo>
-                    <a:pt x="2085650" y="1961831"/>
-                  </a:lnTo>
-                  <a:lnTo>
-                    <a:pt x="2085650" y="1876534"/>
-                  </a:lnTo>
-                  <a:lnTo>
-                    <a:pt x="2085650" y="1791237"/>
-                  </a:lnTo>
-                  <a:lnTo>
-                    <a:pt x="2085650" y="1705940"/>
-                  </a:lnTo>
-                  <a:lnTo>
-                    <a:pt x="2085650" y="1620643"/>
-                  </a:lnTo>
-                  <a:lnTo>
-                    <a:pt x="2085650" y="1535346"/>
-                  </a:lnTo>
-                  <a:lnTo>
-                    <a:pt x="2085650" y="1450049"/>
-                  </a:lnTo>
-                  <a:lnTo>
-                    <a:pt x="2085650" y="1364752"/>
-                  </a:lnTo>
-                  <a:lnTo>
-                    <a:pt x="2085650" y="1279455"/>
-                  </a:lnTo>
-                  <a:lnTo>
-                    <a:pt x="2085650" y="1194158"/>
-                  </a:lnTo>
-                  <a:lnTo>
-                    <a:pt x="2085650" y="1108861"/>
-                  </a:lnTo>
-                  <a:lnTo>
-                    <a:pt x="2085650" y="1023564"/>
-                  </a:lnTo>
-                  <a:lnTo>
-                    <a:pt x="2085650" y="938267"/>
-                  </a:lnTo>
-                  <a:lnTo>
-                    <a:pt x="2085650" y="852970"/>
-                  </a:lnTo>
-                  <a:lnTo>
-                    <a:pt x="2085650" y="767673"/>
-                  </a:lnTo>
-                  <a:lnTo>
-                    <a:pt x="2085650" y="682376"/>
-                  </a:lnTo>
-                  <a:lnTo>
-                    <a:pt x="2085650" y="597079"/>
-                  </a:lnTo>
-                  <a:lnTo>
-                    <a:pt x="2085650" y="511782"/>
-                  </a:lnTo>
-                  <a:lnTo>
-                    <a:pt x="2085650" y="426485"/>
-                  </a:lnTo>
-                  <a:lnTo>
-                    <a:pt x="2085650" y="341188"/>
-                  </a:lnTo>
-                  <a:lnTo>
-                    <a:pt x="2085650" y="255891"/>
-                  </a:lnTo>
-                  <a:lnTo>
-                    <a:pt x="2085650" y="170594"/>
-                  </a:lnTo>
-                  <a:lnTo>
-                    <a:pt x="2085650" y="85297"/>
-                  </a:lnTo>
-                  <a:lnTo>
-                    <a:pt x="2085650" y="0"/>
-                  </a:lnTo>
-                  <a:lnTo>
-                    <a:pt x="2000103" y="1479"/>
-                  </a:lnTo>
-                  <a:lnTo>
-                    <a:pt x="1914658" y="5917"/>
-                  </a:lnTo>
-                  <a:lnTo>
-                    <a:pt x="1829418" y="13306"/>
-                  </a:lnTo>
-                  <a:lnTo>
-                    <a:pt x="1744484" y="23640"/>
-                  </a:lnTo>
-                  <a:lnTo>
-                    <a:pt x="1659959" y="36904"/>
-                  </a:lnTo>
-                  <a:lnTo>
-                    <a:pt x="1575942" y="53084"/>
-                  </a:lnTo>
-                  <a:lnTo>
-                    <a:pt x="1492536" y="72159"/>
-                  </a:lnTo>
-                  <a:lnTo>
-                    <a:pt x="1409839" y="94108"/>
-                  </a:lnTo>
-                  <a:lnTo>
-                    <a:pt x="1327951" y="118904"/>
-                  </a:lnTo>
-                  <a:lnTo>
-                    <a:pt x="1246969" y="146516"/>
-                  </a:lnTo>
-                  <a:lnTo>
-                    <a:pt x="1166991" y="176913"/>
-                  </a:lnTo>
-                  <a:lnTo>
-                    <a:pt x="1088112" y="210058"/>
-                  </a:lnTo>
-                  <a:lnTo>
-                    <a:pt x="1010426" y="245911"/>
-                  </a:lnTo>
-                  <a:lnTo>
-                    <a:pt x="934027" y="284429"/>
-                  </a:lnTo>
-                  <a:lnTo>
-                    <a:pt x="859005" y="325566"/>
-                  </a:lnTo>
-                  <a:lnTo>
-                    <a:pt x="785451" y="369273"/>
-                  </a:lnTo>
-                  <a:lnTo>
-                    <a:pt x="713453" y="415498"/>
-                  </a:lnTo>
-                  <a:lnTo>
-                    <a:pt x="643096" y="464185"/>
-                  </a:lnTo>
-                  <a:lnTo>
-                    <a:pt x="574465" y="515276"/>
-                  </a:lnTo>
-                  <a:lnTo>
-                    <a:pt x="507642" y="568710"/>
-                  </a:lnTo>
-                  <a:lnTo>
-                    <a:pt x="442707" y="624423"/>
-                  </a:lnTo>
-                  <a:lnTo>
-                    <a:pt x="379738" y="682349"/>
-                  </a:lnTo>
-                  <a:lnTo>
-                    <a:pt x="318809" y="742417"/>
-                  </a:lnTo>
-                  <a:lnTo>
-                    <a:pt x="259995" y="804557"/>
-                  </a:lnTo>
-                  <a:lnTo>
-                    <a:pt x="203364" y="868694"/>
-                  </a:lnTo>
-                  <a:lnTo>
-                    <a:pt x="148986" y="934751"/>
-                  </a:lnTo>
-                  <a:lnTo>
-                    <a:pt x="96925" y="1002648"/>
-                  </a:lnTo>
-                  <a:lnTo>
-                    <a:pt x="47243" y="1072306"/>
-                  </a:lnTo>
-                  <a:lnTo>
-                    <a:pt x="0" y="1143640"/>
-                  </a:lnTo>
-                  <a:lnTo>
-                    <a:pt x="71918" y="1189502"/>
-                  </a:lnTo>
-                  <a:lnTo>
-                    <a:pt x="143837" y="1235363"/>
-                  </a:lnTo>
-                  <a:lnTo>
-                    <a:pt x="215756" y="1281224"/>
-                  </a:lnTo>
-                  <a:lnTo>
-                    <a:pt x="287675" y="1327085"/>
-                  </a:lnTo>
-                  <a:lnTo>
-                    <a:pt x="359594" y="1372946"/>
-                  </a:lnTo>
-                  <a:lnTo>
-                    <a:pt x="431513" y="1418807"/>
-                  </a:lnTo>
-                  <a:lnTo>
-                    <a:pt x="503432" y="1464668"/>
-                  </a:lnTo>
-                  <a:lnTo>
-                    <a:pt x="575351" y="1510530"/>
-                  </a:lnTo>
-                  <a:lnTo>
-                    <a:pt x="647270" y="1556391"/>
-                  </a:lnTo>
-                  <a:lnTo>
-                    <a:pt x="719189" y="1602252"/>
-                  </a:lnTo>
-                  <a:lnTo>
-                    <a:pt x="791108" y="1648113"/>
-                  </a:lnTo>
-                  <a:lnTo>
-                    <a:pt x="863027" y="1693974"/>
-                  </a:lnTo>
-                  <a:lnTo>
-                    <a:pt x="934946" y="1739835"/>
-                  </a:lnTo>
-                  <a:lnTo>
-                    <a:pt x="1006865" y="1785696"/>
-                  </a:lnTo>
-                  <a:lnTo>
-                    <a:pt x="1078784" y="1831558"/>
-                  </a:lnTo>
-                  <a:lnTo>
-                    <a:pt x="1150703" y="1877419"/>
-                  </a:lnTo>
-                  <a:lnTo>
-                    <a:pt x="1222622" y="1923280"/>
-                  </a:lnTo>
-                  <a:lnTo>
-                    <a:pt x="1294541" y="1969141"/>
-                  </a:lnTo>
-                  <a:lnTo>
-                    <a:pt x="1366460" y="2015002"/>
-                  </a:lnTo>
-                  <a:lnTo>
-                    <a:pt x="1438379" y="2060863"/>
-                  </a:lnTo>
-                  <a:lnTo>
-                    <a:pt x="1510298" y="2106724"/>
-                  </a:lnTo>
-                  <a:lnTo>
-                    <a:pt x="1582217" y="2152585"/>
-                  </a:lnTo>
-                  <a:lnTo>
-                    <a:pt x="1654136" y="2198447"/>
-                  </a:lnTo>
-                  <a:lnTo>
-                    <a:pt x="1726055" y="2244308"/>
-                  </a:lnTo>
-                  <a:lnTo>
-                    <a:pt x="1797974" y="2290169"/>
-                  </a:lnTo>
-                  <a:lnTo>
-                    <a:pt x="1869893" y="2336030"/>
-                  </a:lnTo>
-                  <a:lnTo>
-                    <a:pt x="1941812" y="2381891"/>
-                  </a:lnTo>
-                  <a:lnTo>
-                    <a:pt x="2013731" y="2427752"/>
+                    <a:pt x="2015300" y="2388316"/>
+                  </a:lnTo>
+                  <a:lnTo>
+                    <a:pt x="2015300" y="2303019"/>
+                  </a:lnTo>
+                  <a:lnTo>
+                    <a:pt x="2015300" y="2217722"/>
+                  </a:lnTo>
+                  <a:lnTo>
+                    <a:pt x="2015300" y="2132425"/>
+                  </a:lnTo>
+                  <a:lnTo>
+                    <a:pt x="2015300" y="2047128"/>
+                  </a:lnTo>
+                  <a:lnTo>
+                    <a:pt x="2015300" y="1961831"/>
+                  </a:lnTo>
+                  <a:lnTo>
+                    <a:pt x="2015300" y="1876534"/>
+                  </a:lnTo>
+                  <a:lnTo>
+                    <a:pt x="2015300" y="1791237"/>
+                  </a:lnTo>
+                  <a:lnTo>
+                    <a:pt x="2015300" y="1705940"/>
+                  </a:lnTo>
+                  <a:lnTo>
+                    <a:pt x="2015300" y="1620643"/>
+                  </a:lnTo>
+                  <a:lnTo>
+                    <a:pt x="2015300" y="1535346"/>
+                  </a:lnTo>
+                  <a:lnTo>
+                    <a:pt x="2015300" y="1450049"/>
+                  </a:lnTo>
+                  <a:lnTo>
+                    <a:pt x="2015300" y="1364752"/>
+                  </a:lnTo>
+                  <a:lnTo>
+                    <a:pt x="2015300" y="1279455"/>
+                  </a:lnTo>
+                  <a:lnTo>
+                    <a:pt x="2015300" y="1194158"/>
+                  </a:lnTo>
+                  <a:lnTo>
+                    <a:pt x="2015300" y="1108861"/>
+                  </a:lnTo>
+                  <a:lnTo>
+                    <a:pt x="2015300" y="1023564"/>
+                  </a:lnTo>
+                  <a:lnTo>
+                    <a:pt x="2015300" y="938267"/>
+                  </a:lnTo>
+                  <a:lnTo>
+                    <a:pt x="2015300" y="852970"/>
+                  </a:lnTo>
+                  <a:lnTo>
+                    <a:pt x="2015300" y="767673"/>
+                  </a:lnTo>
+                  <a:lnTo>
+                    <a:pt x="2015300" y="682376"/>
+                  </a:lnTo>
+                  <a:lnTo>
+                    <a:pt x="2015300" y="597079"/>
+                  </a:lnTo>
+                  <a:lnTo>
+                    <a:pt x="2015300" y="511782"/>
+                  </a:lnTo>
+                  <a:lnTo>
+                    <a:pt x="2015300" y="426485"/>
+                  </a:lnTo>
+                  <a:lnTo>
+                    <a:pt x="2015300" y="341188"/>
+                  </a:lnTo>
+                  <a:lnTo>
+                    <a:pt x="2015300" y="255891"/>
+                  </a:lnTo>
+                  <a:lnTo>
+                    <a:pt x="2015300" y="170594"/>
+                  </a:lnTo>
+                  <a:lnTo>
+                    <a:pt x="2015300" y="85297"/>
+                  </a:lnTo>
+                  <a:lnTo>
+                    <a:pt x="2015300" y="0"/>
+                  </a:lnTo>
+                  <a:lnTo>
+                    <a:pt x="1931191" y="1430"/>
+                  </a:lnTo>
+                  <a:lnTo>
+                    <a:pt x="1847181" y="5719"/>
+                  </a:lnTo>
+                  <a:lnTo>
+                    <a:pt x="1763364" y="12863"/>
+                  </a:lnTo>
+                  <a:lnTo>
+                    <a:pt x="1679839" y="22852"/>
+                  </a:lnTo>
+                  <a:lnTo>
+                    <a:pt x="1596702" y="35675"/>
+                  </a:lnTo>
+                  <a:lnTo>
+                    <a:pt x="1514048" y="51318"/>
+                  </a:lnTo>
+                  <a:lnTo>
+                    <a:pt x="1431975" y="69763"/>
+                  </a:lnTo>
+                  <a:lnTo>
+                    <a:pt x="1350576" y="90987"/>
+                  </a:lnTo>
+                  <a:lnTo>
+                    <a:pt x="1269946" y="114967"/>
+                  </a:lnTo>
+                  <a:lnTo>
+                    <a:pt x="1190178" y="141674"/>
+                  </a:lnTo>
+                  <a:lnTo>
+                    <a:pt x="1111364" y="171079"/>
+                  </a:lnTo>
+                  <a:lnTo>
+                    <a:pt x="1033595" y="203146"/>
+                  </a:lnTo>
+                  <a:lnTo>
+                    <a:pt x="956962" y="237839"/>
+                  </a:lnTo>
+                  <a:lnTo>
+                    <a:pt x="881553" y="275117"/>
+                  </a:lnTo>
+                  <a:lnTo>
+                    <a:pt x="807455" y="314939"/>
+                  </a:lnTo>
+                  <a:lnTo>
+                    <a:pt x="734754" y="357256"/>
+                  </a:lnTo>
+                  <a:lnTo>
+                    <a:pt x="663534" y="402021"/>
+                  </a:lnTo>
+                  <a:lnTo>
+                    <a:pt x="593877" y="449182"/>
+                  </a:lnTo>
+                  <a:lnTo>
+                    <a:pt x="525863" y="498684"/>
+                  </a:lnTo>
+                  <a:lnTo>
+                    <a:pt x="459573" y="550470"/>
+                  </a:lnTo>
+                  <a:lnTo>
+                    <a:pt x="395081" y="604480"/>
+                  </a:lnTo>
+                  <a:lnTo>
+                    <a:pt x="332464" y="660652"/>
+                  </a:lnTo>
+                  <a:lnTo>
+                    <a:pt x="271792" y="718921"/>
+                  </a:lnTo>
+                  <a:lnTo>
+                    <a:pt x="213137" y="779218"/>
+                  </a:lnTo>
+                  <a:lnTo>
+                    <a:pt x="156566" y="841475"/>
+                  </a:lnTo>
+                  <a:lnTo>
+                    <a:pt x="102144" y="905620"/>
+                  </a:lnTo>
+                  <a:lnTo>
+                    <a:pt x="49936" y="971578"/>
+                  </a:lnTo>
+                  <a:lnTo>
+                    <a:pt x="0" y="1039274"/>
+                  </a:lnTo>
+                  <a:lnTo>
+                    <a:pt x="69493" y="1088734"/>
+                  </a:lnTo>
+                  <a:lnTo>
+                    <a:pt x="138986" y="1138194"/>
+                  </a:lnTo>
+                  <a:lnTo>
+                    <a:pt x="208479" y="1187654"/>
+                  </a:lnTo>
+                  <a:lnTo>
+                    <a:pt x="277972" y="1237114"/>
+                  </a:lnTo>
+                  <a:lnTo>
+                    <a:pt x="347465" y="1286574"/>
+                  </a:lnTo>
+                  <a:lnTo>
+                    <a:pt x="416958" y="1336034"/>
+                  </a:lnTo>
+                  <a:lnTo>
+                    <a:pt x="486451" y="1385494"/>
+                  </a:lnTo>
+                  <a:lnTo>
+                    <a:pt x="555944" y="1434954"/>
+                  </a:lnTo>
+                  <a:lnTo>
+                    <a:pt x="625438" y="1484414"/>
+                  </a:lnTo>
+                  <a:lnTo>
+                    <a:pt x="694931" y="1533874"/>
+                  </a:lnTo>
+                  <a:lnTo>
+                    <a:pt x="764424" y="1583334"/>
+                  </a:lnTo>
+                  <a:lnTo>
+                    <a:pt x="833917" y="1632794"/>
+                  </a:lnTo>
+                  <a:lnTo>
+                    <a:pt x="903410" y="1682254"/>
+                  </a:lnTo>
+                  <a:lnTo>
+                    <a:pt x="972903" y="1731714"/>
+                  </a:lnTo>
+                  <a:lnTo>
+                    <a:pt x="1042396" y="1781173"/>
+                  </a:lnTo>
+                  <a:lnTo>
+                    <a:pt x="1111889" y="1830633"/>
+                  </a:lnTo>
+                  <a:lnTo>
+                    <a:pt x="1181382" y="1880093"/>
+                  </a:lnTo>
+                  <a:lnTo>
+                    <a:pt x="1250876" y="1929553"/>
+                  </a:lnTo>
+                  <a:lnTo>
+                    <a:pt x="1320369" y="1979013"/>
+                  </a:lnTo>
+                  <a:lnTo>
+                    <a:pt x="1389862" y="2028473"/>
+                  </a:lnTo>
+                  <a:lnTo>
+                    <a:pt x="1459355" y="2077933"/>
+                  </a:lnTo>
+                  <a:lnTo>
+                    <a:pt x="1528848" y="2127393"/>
+                  </a:lnTo>
+                  <a:lnTo>
+                    <a:pt x="1598341" y="2176853"/>
+                  </a:lnTo>
+                  <a:lnTo>
+                    <a:pt x="1667834" y="2226313"/>
+                  </a:lnTo>
+                  <a:lnTo>
+                    <a:pt x="1737327" y="2275773"/>
+                  </a:lnTo>
+                  <a:lnTo>
+                    <a:pt x="1806820" y="2325233"/>
+                  </a:lnTo>
+                  <a:lnTo>
+                    <a:pt x="1876314" y="2374693"/>
+                  </a:lnTo>
+                  <a:lnTo>
+                    <a:pt x="1945807" y="2424153"/>
                   </a:lnTo>
                   <a:close/>
                 </a:path>
@@ -3706,7 +3703,7 @@
           </p:nvSpPr>
           <p:spPr>
             <a:xfrm>
-              <a:off x="4903154" y="2706125"/>
+              <a:off x="4896237" y="2705768"/>
               <a:ext cx="1301071" cy="203576"/>
             </a:xfrm>
             <a:prstGeom prst="rect">
@@ -3752,8 +3749,8 @@
           </p:nvSpPr>
           <p:spPr>
             <a:xfrm>
-              <a:off x="5402992" y="3066077"/>
-              <a:ext cx="301395" cy="155832"/>
+              <a:off x="5118869" y="3057991"/>
+              <a:ext cx="855806" cy="163560"/>
             </a:xfrm>
             <a:prstGeom prst="rect">
               <a:avLst/>
@@ -3785,7 +3782,7 @@
                   <a:latin typeface="Arial"/>
                   <a:cs typeface="Arial"/>
                 </a:rPr>
-                <a:t> 14</a:t>
+                <a:t> 1.554 %</a:t>
               </a:r>
             </a:p>
           </p:txBody>
@@ -3798,7 +3795,7 @@
           </p:nvSpPr>
           <p:spPr>
             <a:xfrm>
-              <a:off x="5920334" y="4535756"/>
+              <a:off x="5908644" y="4556596"/>
               <a:ext cx="1301071" cy="203576"/>
             </a:xfrm>
             <a:prstGeom prst="rect">
@@ -3844,8 +3841,8 @@
           </p:nvSpPr>
           <p:spPr>
             <a:xfrm>
-              <a:off x="6359882" y="4893061"/>
-              <a:ext cx="421974" cy="158478"/>
+              <a:off x="6070986" y="4908819"/>
+              <a:ext cx="976386" cy="163560"/>
             </a:xfrm>
             <a:prstGeom prst="rect">
               <a:avLst/>
@@ -3877,7 +3874,7 @@
                   <a:latin typeface="Arial"/>
                   <a:cs typeface="Arial"/>
                 </a:rPr>
-                <a:t> 505</a:t>
+                <a:t> 63.472 %</a:t>
               </a:r>
             </a:p>
           </p:txBody>
@@ -3890,7 +3887,7 @@
           </p:nvSpPr>
           <p:spPr>
             <a:xfrm>
-              <a:off x="3353960" y="4050419"/>
+              <a:off x="3352139" y="3988162"/>
               <a:ext cx="1794928" cy="161548"/>
             </a:xfrm>
             <a:prstGeom prst="rect">
@@ -3936,8 +3933,8 @@
           </p:nvSpPr>
           <p:spPr>
             <a:xfrm>
-              <a:off x="4040437" y="4365696"/>
-              <a:ext cx="421974" cy="158478"/>
+              <a:off x="3761410" y="4298357"/>
+              <a:ext cx="976386" cy="163560"/>
             </a:xfrm>
             <a:prstGeom prst="rect">
               <a:avLst/>
@@ -3969,7 +3966,7 @@
                   <a:latin typeface="Arial"/>
                   <a:cs typeface="Arial"/>
                 </a:rPr>
-                <a:t> 160</a:t>
+                <a:t> 19.819 %</a:t>
               </a:r>
             </a:p>
           </p:txBody>
@@ -3982,7 +3979,7 @@
           </p:nvSpPr>
           <p:spPr>
             <a:xfrm>
-              <a:off x="4385818" y="2899611"/>
+              <a:off x="4413601" y="2884833"/>
               <a:ext cx="1011850" cy="160596"/>
             </a:xfrm>
             <a:prstGeom prst="rect">
@@ -4028,8 +4025,8 @@
           </p:nvSpPr>
           <p:spPr>
             <a:xfrm>
-              <a:off x="4680756" y="3213935"/>
-              <a:ext cx="421974" cy="158478"/>
+              <a:off x="4431333" y="3194076"/>
+              <a:ext cx="976386" cy="163560"/>
             </a:xfrm>
             <a:prstGeom prst="rect">
               <a:avLst/>
@@ -4061,7 +4058,7 @@
                   <a:latin typeface="Arial"/>
                   <a:cs typeface="Arial"/>
                 </a:rPr>
-                <a:t> 129</a:t>
+                <a:t> 15.155 %</a:t>
               </a:r>
             </a:p>
           </p:txBody>
